--- a/Sprint2/Documentação/Apresentação Sprint 2 (2).pptx
+++ b/Sprint2/Documentação/Apresentação Sprint 2 (2).pptx
@@ -139,7 +139,7 @@
 <file path=ppt/revisionInfo.xml><?xml version="1.0" encoding="utf-8"?>
 <p1510:revInfo xmlns:a="http://schemas.openxmlformats.org/drawingml/2006/main" xmlns:r="http://schemas.openxmlformats.org/officeDocument/2006/relationships" xmlns:p1510="http://schemas.microsoft.com/office/powerpoint/2015/10/main">
   <p1510:revLst>
-    <p1510:client id="{B71FDBA6-A8A7-40E8-BB5F-3037DFF9896B}" v="8" dt="2020-10-29T11:49:44.746"/>
+    <p1510:client id="{B71FDBA6-A8A7-40E8-BB5F-3037DFF9896B}" v="13" dt="2020-10-29T12:01:26.598"/>
   </p1510:revLst>
 </p1510:revInfo>
 </file>
@@ -148,19 +148,65 @@
 <pc:chgInfo xmlns:a="http://schemas.openxmlformats.org/drawingml/2006/main" xmlns:r="http://schemas.openxmlformats.org/officeDocument/2006/relationships" xmlns:ac="http://schemas.microsoft.com/office/drawing/2013/main/command" xmlns:pc="http://schemas.microsoft.com/office/powerpoint/2013/main/command">
   <pc:docChgLst>
     <pc:chgData name="Bruna Brito" userId="b6e662cc8815d3ee" providerId="LiveId" clId="{B71FDBA6-A8A7-40E8-BB5F-3037DFF9896B}"/>
-    <pc:docChg chg="modSld">
-      <pc:chgData name="Bruna Brito" userId="b6e662cc8815d3ee" providerId="LiveId" clId="{B71FDBA6-A8A7-40E8-BB5F-3037DFF9896B}" dt="2020-10-29T11:49:43.311" v="3" actId="1076"/>
+    <pc:docChg chg="custSel modSld">
+      <pc:chgData name="Bruna Brito" userId="b6e662cc8815d3ee" providerId="LiveId" clId="{B71FDBA6-A8A7-40E8-BB5F-3037DFF9896B}" dt="2020-10-29T13:18:53.713" v="16" actId="1076"/>
       <pc:docMkLst>
         <pc:docMk/>
       </pc:docMkLst>
+      <pc:sldChg chg="modSp mod">
+        <pc:chgData name="Bruna Brito" userId="b6e662cc8815d3ee" providerId="LiveId" clId="{B71FDBA6-A8A7-40E8-BB5F-3037DFF9896B}" dt="2020-10-29T13:18:53.713" v="16" actId="1076"/>
+        <pc:sldMkLst>
+          <pc:docMk/>
+          <pc:sldMk cId="2595852430" sldId="257"/>
+        </pc:sldMkLst>
+        <pc:picChg chg="mod">
+          <ac:chgData name="Bruna Brito" userId="b6e662cc8815d3ee" providerId="LiveId" clId="{B71FDBA6-A8A7-40E8-BB5F-3037DFF9896B}" dt="2020-10-29T13:18:53.713" v="16" actId="1076"/>
+          <ac:picMkLst>
+            <pc:docMk/>
+            <pc:sldMk cId="2595852430" sldId="257"/>
+            <ac:picMk id="6" creationId="{D9C5B865-6CAC-4CB4-BFC6-056DAF2D9C9D}"/>
+          </ac:picMkLst>
+        </pc:picChg>
+      </pc:sldChg>
+      <pc:sldChg chg="addSp delSp modSp mod">
+        <pc:chgData name="Bruna Brito" userId="b6e662cc8815d3ee" providerId="LiveId" clId="{B71FDBA6-A8A7-40E8-BB5F-3037DFF9896B}" dt="2020-10-29T12:01:17.683" v="15" actId="14100"/>
+        <pc:sldMkLst>
+          <pc:docMk/>
+          <pc:sldMk cId="465033456" sldId="265"/>
+        </pc:sldMkLst>
+        <pc:picChg chg="add del mod">
+          <ac:chgData name="Bruna Brito" userId="b6e662cc8815d3ee" providerId="LiveId" clId="{B71FDBA6-A8A7-40E8-BB5F-3037DFF9896B}" dt="2020-10-29T12:01:09.537" v="11" actId="478"/>
+          <ac:picMkLst>
+            <pc:docMk/>
+            <pc:sldMk cId="465033456" sldId="265"/>
+            <ac:picMk id="4" creationId="{AF0E4B7A-681E-4B6B-A400-1D1BD2D92F93}"/>
+          </ac:picMkLst>
+        </pc:picChg>
+        <pc:picChg chg="del">
+          <ac:chgData name="Bruna Brito" userId="b6e662cc8815d3ee" providerId="LiveId" clId="{B71FDBA6-A8A7-40E8-BB5F-3037DFF9896B}" dt="2020-10-29T12:00:15.051" v="5" actId="478"/>
+          <ac:picMkLst>
+            <pc:docMk/>
+            <pc:sldMk cId="465033456" sldId="265"/>
+            <ac:picMk id="5" creationId="{AE27461E-F39C-47CB-B7C2-FEBC2B47AC86}"/>
+          </ac:picMkLst>
+        </pc:picChg>
+        <pc:picChg chg="add mod">
+          <ac:chgData name="Bruna Brito" userId="b6e662cc8815d3ee" providerId="LiveId" clId="{B71FDBA6-A8A7-40E8-BB5F-3037DFF9896B}" dt="2020-10-29T12:01:17.683" v="15" actId="14100"/>
+          <ac:picMkLst>
+            <pc:docMk/>
+            <pc:sldMk cId="465033456" sldId="265"/>
+            <ac:picMk id="8" creationId="{879C4E44-3ACB-4312-98D2-423D8CBAFD2B}"/>
+          </ac:picMkLst>
+        </pc:picChg>
+      </pc:sldChg>
       <pc:sldChg chg="addSp modSp mod">
-        <pc:chgData name="Bruna Brito" userId="b6e662cc8815d3ee" providerId="LiveId" clId="{B71FDBA6-A8A7-40E8-BB5F-3037DFF9896B}" dt="2020-10-29T11:49:43.311" v="3" actId="1076"/>
+        <pc:chgData name="Bruna Brito" userId="b6e662cc8815d3ee" providerId="LiveId" clId="{B71FDBA6-A8A7-40E8-BB5F-3037DFF9896B}" dt="2020-10-29T11:51:49.564" v="4"/>
         <pc:sldMkLst>
           <pc:docMk/>
           <pc:sldMk cId="759705069" sldId="269"/>
         </pc:sldMkLst>
         <pc:graphicFrameChg chg="mod">
-          <ac:chgData name="Bruna Brito" userId="b6e662cc8815d3ee" providerId="LiveId" clId="{B71FDBA6-A8A7-40E8-BB5F-3037DFF9896B}" dt="2020-10-29T11:49:33.366" v="1"/>
+          <ac:chgData name="Bruna Brito" userId="b6e662cc8815d3ee" providerId="LiveId" clId="{B71FDBA6-A8A7-40E8-BB5F-3037DFF9896B}" dt="2020-10-29T11:51:49.564" v="4"/>
           <ac:graphicFrameMkLst>
             <pc:docMk/>
             <pc:sldMk cId="759705069" sldId="269"/>
@@ -5793,7 +5839,7 @@
         </p:blipFill>
         <p:spPr>
           <a:xfrm>
-            <a:off x="1913725" y="923119"/>
+            <a:off x="2372935" y="695906"/>
             <a:ext cx="8364549" cy="4549525"/>
           </a:xfrm>
           <a:prstGeom prst="rect">
@@ -12529,10 +12575,10 @@
       </p:pic>
       <p:pic>
         <p:nvPicPr>
-          <p:cNvPr id="5" name="Imagem 4">
+          <p:cNvPr id="8" name="Imagem 7">
             <a:extLst>
               <a:ext uri="{FF2B5EF4-FFF2-40B4-BE49-F238E27FC236}">
-                <a16:creationId xmlns:a16="http://schemas.microsoft.com/office/drawing/2014/main" id="{AE27461E-F39C-47CB-B7C2-FEBC2B47AC86}"/>
+                <a16:creationId xmlns:a16="http://schemas.microsoft.com/office/drawing/2014/main" id="{879C4E44-3ACB-4312-98D2-423D8CBAFD2B}"/>
               </a:ext>
             </a:extLst>
           </p:cNvPr>
@@ -12549,8 +12595,8 @@
         </p:blipFill>
         <p:spPr>
           <a:xfrm>
-            <a:off x="947568" y="1171573"/>
-            <a:ext cx="10195808" cy="5593129"/>
+            <a:off x="275010" y="1276854"/>
+            <a:ext cx="11280885" cy="5547068"/>
           </a:xfrm>
           <a:prstGeom prst="rect">
             <a:avLst/>
@@ -13353,7 +13399,7 @@
           <p:nvPr>
             <p:extLst>
               <p:ext uri="{D42A27DB-BD31-4B8C-83A1-F6EECF244321}">
-                <p14:modId xmlns:p14="http://schemas.microsoft.com/office/powerpoint/2010/main" val="2890490052"/>
+                <p14:modId xmlns:p14="http://schemas.microsoft.com/office/powerpoint/2010/main" val="1728745299"/>
               </p:ext>
             </p:extLst>
           </p:nvPr>
